--- a/Document/Report1 - Slides.pptx
+++ b/Document/Report1 - Slides.pptx
@@ -15,6 +15,8 @@
     <p:sldId id="267" r:id="rId9"/>
     <p:sldId id="266" r:id="rId10"/>
     <p:sldId id="258" r:id="rId11"/>
+    <p:sldId id="268" r:id="rId12"/>
+    <p:sldId id="269" r:id="rId13"/>
   </p:sldIdLst>
   <p:sldSz cx="12192000" cy="6858000"/>
   <p:notesSz cx="6858000" cy="9144000"/>
@@ -171,7 +173,7 @@
           <a:noFill/>
           <a:extLst>
             <a:ext uri="{909E8E84-426E-40dd-AFC4-6F175D3DCCD1}">
-              <a14:hiddenFill xmlns:a14="http://schemas.microsoft.com/office/drawing/2010/main" xmlns="">
+              <a14:hiddenFill xmlns="" xmlns:a14="http://schemas.microsoft.com/office/drawing/2010/main">
                 <a:solidFill>
                   <a:srgbClr val="FFFFFF"/>
                 </a:solidFill>
@@ -231,7 +233,7 @@
             </a:ln>
             <a:extLst>
               <a:ext uri="{91240B29-F687-4f45-9708-019B960494DF}">
-                <a14:hiddenLine xmlns:a14="http://schemas.microsoft.com/office/drawing/2010/main" xmlns="" w="9525">
+                <a14:hiddenLine xmlns="" xmlns:a14="http://schemas.microsoft.com/office/drawing/2010/main" w="9525">
                   <a:solidFill>
                     <a:srgbClr val="000000"/>
                   </a:solidFill>
@@ -321,7 +323,7 @@
             </a:ln>
             <a:extLst>
               <a:ext uri="{91240B29-F687-4f45-9708-019B960494DF}">
-                <a14:hiddenLine xmlns:a14="http://schemas.microsoft.com/office/drawing/2010/main" xmlns="" w="9525">
+                <a14:hiddenLine xmlns="" xmlns:a14="http://schemas.microsoft.com/office/drawing/2010/main" w="9525">
                   <a:solidFill>
                     <a:srgbClr val="000000"/>
                   </a:solidFill>
@@ -411,7 +413,7 @@
             </a:ln>
             <a:extLst>
               <a:ext uri="{91240B29-F687-4f45-9708-019B960494DF}">
-                <a14:hiddenLine xmlns:a14="http://schemas.microsoft.com/office/drawing/2010/main" xmlns="" w="9525">
+                <a14:hiddenLine xmlns="" xmlns:a14="http://schemas.microsoft.com/office/drawing/2010/main" w="9525">
                   <a:solidFill>
                     <a:srgbClr val="000000"/>
                   </a:solidFill>
@@ -445,7 +447,7 @@
             </a:ln>
             <a:extLst>
               <a:ext uri="{91240B29-F687-4f45-9708-019B960494DF}">
-                <a14:hiddenLine xmlns:a14="http://schemas.microsoft.com/office/drawing/2010/main" xmlns="" w="9525">
+                <a14:hiddenLine xmlns="" xmlns:a14="http://schemas.microsoft.com/office/drawing/2010/main" w="9525">
                   <a:solidFill>
                     <a:srgbClr val="000000"/>
                   </a:solidFill>
@@ -535,7 +537,7 @@
             </a:ln>
             <a:extLst>
               <a:ext uri="{91240B29-F687-4f45-9708-019B960494DF}">
-                <a14:hiddenLine xmlns:a14="http://schemas.microsoft.com/office/drawing/2010/main" xmlns="" w="9525">
+                <a14:hiddenLine xmlns="" xmlns:a14="http://schemas.microsoft.com/office/drawing/2010/main" w="9525">
                   <a:solidFill>
                     <a:srgbClr val="000000"/>
                   </a:solidFill>
@@ -597,7 +599,7 @@
             </a:ln>
             <a:extLst>
               <a:ext uri="{91240B29-F687-4f45-9708-019B960494DF}">
-                <a14:hiddenLine xmlns:a14="http://schemas.microsoft.com/office/drawing/2010/main" xmlns="" w="9525">
+                <a14:hiddenLine xmlns="" xmlns:a14="http://schemas.microsoft.com/office/drawing/2010/main" w="9525">
                   <a:solidFill>
                     <a:srgbClr val="000000"/>
                   </a:solidFill>
@@ -659,7 +661,7 @@
             </a:ln>
             <a:extLst>
               <a:ext uri="{91240B29-F687-4f45-9708-019B960494DF}">
-                <a14:hiddenLine xmlns:a14="http://schemas.microsoft.com/office/drawing/2010/main" xmlns="" w="9525">
+                <a14:hiddenLine xmlns="" xmlns:a14="http://schemas.microsoft.com/office/drawing/2010/main" w="9525">
                   <a:solidFill>
                     <a:srgbClr val="000000"/>
                   </a:solidFill>
@@ -749,7 +751,7 @@
             </a:ln>
             <a:extLst>
               <a:ext uri="{91240B29-F687-4f45-9708-019B960494DF}">
-                <a14:hiddenLine xmlns:a14="http://schemas.microsoft.com/office/drawing/2010/main" xmlns="" w="9525">
+                <a14:hiddenLine xmlns="" xmlns:a14="http://schemas.microsoft.com/office/drawing/2010/main" w="9525">
                   <a:solidFill>
                     <a:srgbClr val="000000"/>
                   </a:solidFill>
@@ -811,7 +813,7 @@
             </a:ln>
             <a:extLst>
               <a:ext uri="{91240B29-F687-4f45-9708-019B960494DF}">
-                <a14:hiddenLine xmlns:a14="http://schemas.microsoft.com/office/drawing/2010/main" xmlns="" w="9525">
+                <a14:hiddenLine xmlns="" xmlns:a14="http://schemas.microsoft.com/office/drawing/2010/main" w="9525">
                   <a:solidFill>
                     <a:srgbClr val="000000"/>
                   </a:solidFill>
@@ -873,7 +875,7 @@
             </a:ln>
             <a:extLst>
               <a:ext uri="{91240B29-F687-4f45-9708-019B960494DF}">
-                <a14:hiddenLine xmlns:a14="http://schemas.microsoft.com/office/drawing/2010/main" xmlns="" w="9525">
+                <a14:hiddenLine xmlns="" xmlns:a14="http://schemas.microsoft.com/office/drawing/2010/main" w="9525">
                   <a:solidFill>
                     <a:srgbClr val="000000"/>
                   </a:solidFill>
@@ -963,7 +965,7 @@
             </a:ln>
             <a:extLst>
               <a:ext uri="{91240B29-F687-4f45-9708-019B960494DF}">
-                <a14:hiddenLine xmlns:a14="http://schemas.microsoft.com/office/drawing/2010/main" xmlns="" w="9525">
+                <a14:hiddenLine xmlns="" xmlns:a14="http://schemas.microsoft.com/office/drawing/2010/main" w="9525">
                   <a:solidFill>
                     <a:srgbClr val="000000"/>
                   </a:solidFill>
@@ -1053,7 +1055,7 @@
             </a:ln>
             <a:extLst>
               <a:ext uri="{91240B29-F687-4f45-9708-019B960494DF}">
-                <a14:hiddenLine xmlns:a14="http://schemas.microsoft.com/office/drawing/2010/main" xmlns="" w="9525">
+                <a14:hiddenLine xmlns="" xmlns:a14="http://schemas.microsoft.com/office/drawing/2010/main" w="9525">
                   <a:solidFill>
                     <a:srgbClr val="000000"/>
                   </a:solidFill>
@@ -1115,7 +1117,7 @@
             </a:ln>
             <a:extLst>
               <a:ext uri="{91240B29-F687-4f45-9708-019B960494DF}">
-                <a14:hiddenLine xmlns:a14="http://schemas.microsoft.com/office/drawing/2010/main" xmlns="" w="9525">
+                <a14:hiddenLine xmlns="" xmlns:a14="http://schemas.microsoft.com/office/drawing/2010/main" w="9525">
                   <a:solidFill>
                     <a:srgbClr val="000000"/>
                   </a:solidFill>
@@ -1225,7 +1227,7 @@
             </a:ln>
             <a:extLst>
               <a:ext uri="{91240B29-F687-4f45-9708-019B960494DF}">
-                <a14:hiddenLine xmlns:a14="http://schemas.microsoft.com/office/drawing/2010/main" xmlns="" w="9525">
+                <a14:hiddenLine xmlns="" xmlns:a14="http://schemas.microsoft.com/office/drawing/2010/main" w="9525">
                   <a:solidFill>
                     <a:srgbClr val="000000"/>
                   </a:solidFill>
@@ -1287,7 +1289,7 @@
             </a:ln>
             <a:extLst>
               <a:ext uri="{91240B29-F687-4f45-9708-019B960494DF}">
-                <a14:hiddenLine xmlns:a14="http://schemas.microsoft.com/office/drawing/2010/main" xmlns="" w="9525">
+                <a14:hiddenLine xmlns="" xmlns:a14="http://schemas.microsoft.com/office/drawing/2010/main" w="9525">
                   <a:solidFill>
                     <a:srgbClr val="000000"/>
                   </a:solidFill>
@@ -1377,7 +1379,7 @@
             </a:ln>
             <a:extLst>
               <a:ext uri="{91240B29-F687-4f45-9708-019B960494DF}">
-                <a14:hiddenLine xmlns:a14="http://schemas.microsoft.com/office/drawing/2010/main" xmlns="" w="9525">
+                <a14:hiddenLine xmlns="" xmlns:a14="http://schemas.microsoft.com/office/drawing/2010/main" w="9525">
                   <a:solidFill>
                     <a:srgbClr val="000000"/>
                   </a:solidFill>
@@ -1467,7 +1469,7 @@
             </a:ln>
             <a:extLst>
               <a:ext uri="{91240B29-F687-4f45-9708-019B960494DF}">
-                <a14:hiddenLine xmlns:a14="http://schemas.microsoft.com/office/drawing/2010/main" xmlns="" w="9525">
+                <a14:hiddenLine xmlns="" xmlns:a14="http://schemas.microsoft.com/office/drawing/2010/main" w="9525">
                   <a:solidFill>
                     <a:srgbClr val="000000"/>
                   </a:solidFill>
@@ -1529,7 +1531,7 @@
             </a:ln>
             <a:extLst>
               <a:ext uri="{91240B29-F687-4f45-9708-019B960494DF}">
-                <a14:hiddenLine xmlns:a14="http://schemas.microsoft.com/office/drawing/2010/main" xmlns="" w="9525">
+                <a14:hiddenLine xmlns="" xmlns:a14="http://schemas.microsoft.com/office/drawing/2010/main" w="9525">
                   <a:solidFill>
                     <a:srgbClr val="000000"/>
                   </a:solidFill>
@@ -1619,7 +1621,7 @@
             </a:ln>
             <a:extLst>
               <a:ext uri="{91240B29-F687-4f45-9708-019B960494DF}">
-                <a14:hiddenLine xmlns:a14="http://schemas.microsoft.com/office/drawing/2010/main" xmlns="" w="9525">
+                <a14:hiddenLine xmlns="" xmlns:a14="http://schemas.microsoft.com/office/drawing/2010/main" w="9525">
                   <a:solidFill>
                     <a:srgbClr val="000000"/>
                   </a:solidFill>
@@ -1709,7 +1711,7 @@
             </a:ln>
             <a:extLst>
               <a:ext uri="{91240B29-F687-4f45-9708-019B960494DF}">
-                <a14:hiddenLine xmlns:a14="http://schemas.microsoft.com/office/drawing/2010/main" xmlns="" w="9525">
+                <a14:hiddenLine xmlns="" xmlns:a14="http://schemas.microsoft.com/office/drawing/2010/main" w="9525">
                   <a:solidFill>
                     <a:srgbClr val="000000"/>
                   </a:solidFill>
@@ -1765,7 +1767,7 @@
             </a:ln>
             <a:extLst>
               <a:ext uri="{91240B29-F687-4f45-9708-019B960494DF}">
-                <a14:hiddenLine xmlns:a14="http://schemas.microsoft.com/office/drawing/2010/main" xmlns="" w="9525">
+                <a14:hiddenLine xmlns="" xmlns:a14="http://schemas.microsoft.com/office/drawing/2010/main" w="9525">
                   <a:solidFill>
                     <a:srgbClr val="000000"/>
                   </a:solidFill>
@@ -1855,7 +1857,7 @@
             </a:ln>
             <a:extLst>
               <a:ext uri="{91240B29-F687-4f45-9708-019B960494DF}">
-                <a14:hiddenLine xmlns:a14="http://schemas.microsoft.com/office/drawing/2010/main" xmlns="" w="9525">
+                <a14:hiddenLine xmlns="" xmlns:a14="http://schemas.microsoft.com/office/drawing/2010/main" w="9525">
                   <a:solidFill>
                     <a:srgbClr val="000000"/>
                   </a:solidFill>
@@ -1911,7 +1913,7 @@
             </a:ln>
             <a:extLst>
               <a:ext uri="{91240B29-F687-4f45-9708-019B960494DF}">
-                <a14:hiddenLine xmlns:a14="http://schemas.microsoft.com/office/drawing/2010/main" xmlns="" w="9525">
+                <a14:hiddenLine xmlns="" xmlns:a14="http://schemas.microsoft.com/office/drawing/2010/main" w="9525">
                   <a:solidFill>
                     <a:srgbClr val="000000"/>
                   </a:solidFill>
@@ -2001,7 +2003,7 @@
             </a:ln>
             <a:extLst>
               <a:ext uri="{91240B29-F687-4f45-9708-019B960494DF}">
-                <a14:hiddenLine xmlns:a14="http://schemas.microsoft.com/office/drawing/2010/main" xmlns="" w="9525">
+                <a14:hiddenLine xmlns="" xmlns:a14="http://schemas.microsoft.com/office/drawing/2010/main" w="9525">
                   <a:solidFill>
                     <a:srgbClr val="000000"/>
                   </a:solidFill>
@@ -2069,7 +2071,7 @@
             </a:ln>
             <a:extLst>
               <a:ext uri="{91240B29-F687-4f45-9708-019B960494DF}">
-                <a14:hiddenLine xmlns:a14="http://schemas.microsoft.com/office/drawing/2010/main" xmlns="" w="9525">
+                <a14:hiddenLine xmlns="" xmlns:a14="http://schemas.microsoft.com/office/drawing/2010/main" w="9525">
                   <a:solidFill>
                     <a:srgbClr val="000000"/>
                   </a:solidFill>
@@ -2159,7 +2161,7 @@
             </a:ln>
             <a:extLst>
               <a:ext uri="{91240B29-F687-4f45-9708-019B960494DF}">
-                <a14:hiddenLine xmlns:a14="http://schemas.microsoft.com/office/drawing/2010/main" xmlns="" w="9525">
+                <a14:hiddenLine xmlns="" xmlns:a14="http://schemas.microsoft.com/office/drawing/2010/main" w="9525">
                   <a:solidFill>
                     <a:srgbClr val="000000"/>
                   </a:solidFill>
@@ -2227,7 +2229,7 @@
             </a:ln>
             <a:extLst>
               <a:ext uri="{91240B29-F687-4f45-9708-019B960494DF}">
-                <a14:hiddenLine xmlns:a14="http://schemas.microsoft.com/office/drawing/2010/main" xmlns="" w="9525">
+                <a14:hiddenLine xmlns="" xmlns:a14="http://schemas.microsoft.com/office/drawing/2010/main" w="9525">
                   <a:solidFill>
                     <a:srgbClr val="000000"/>
                   </a:solidFill>
@@ -2317,7 +2319,7 @@
             </a:ln>
             <a:extLst>
               <a:ext uri="{91240B29-F687-4f45-9708-019B960494DF}">
-                <a14:hiddenLine xmlns:a14="http://schemas.microsoft.com/office/drawing/2010/main" xmlns="" w="9525">
+                <a14:hiddenLine xmlns="" xmlns:a14="http://schemas.microsoft.com/office/drawing/2010/main" w="9525">
                   <a:solidFill>
                     <a:srgbClr val="000000"/>
                   </a:solidFill>
@@ -2351,7 +2353,7 @@
             </a:ln>
             <a:extLst>
               <a:ext uri="{91240B29-F687-4f45-9708-019B960494DF}">
-                <a14:hiddenLine xmlns:a14="http://schemas.microsoft.com/office/drawing/2010/main" xmlns="" w="9525">
+                <a14:hiddenLine xmlns="" xmlns:a14="http://schemas.microsoft.com/office/drawing/2010/main" w="9525">
                   <a:solidFill>
                     <a:srgbClr val="000000"/>
                   </a:solidFill>
@@ -2441,7 +2443,7 @@
             </a:ln>
             <a:extLst>
               <a:ext uri="{91240B29-F687-4f45-9708-019B960494DF}">
-                <a14:hiddenLine xmlns:a14="http://schemas.microsoft.com/office/drawing/2010/main" xmlns="" w="9525">
+                <a14:hiddenLine xmlns="" xmlns:a14="http://schemas.microsoft.com/office/drawing/2010/main" w="9525">
                   <a:solidFill>
                     <a:srgbClr val="000000"/>
                   </a:solidFill>
@@ -2503,7 +2505,7 @@
             </a:ln>
             <a:extLst>
               <a:ext uri="{91240B29-F687-4f45-9708-019B960494DF}">
-                <a14:hiddenLine xmlns:a14="http://schemas.microsoft.com/office/drawing/2010/main" xmlns="" w="9525">
+                <a14:hiddenLine xmlns="" xmlns:a14="http://schemas.microsoft.com/office/drawing/2010/main" w="9525">
                   <a:solidFill>
                     <a:srgbClr val="000000"/>
                   </a:solidFill>
@@ -2565,7 +2567,7 @@
             </a:ln>
             <a:extLst>
               <a:ext uri="{91240B29-F687-4f45-9708-019B960494DF}">
-                <a14:hiddenLine xmlns:a14="http://schemas.microsoft.com/office/drawing/2010/main" xmlns="" w="9525">
+                <a14:hiddenLine xmlns="" xmlns:a14="http://schemas.microsoft.com/office/drawing/2010/main" w="9525">
                   <a:solidFill>
                     <a:srgbClr val="000000"/>
                   </a:solidFill>
@@ -2655,7 +2657,7 @@
             </a:ln>
             <a:extLst>
               <a:ext uri="{91240B29-F687-4f45-9708-019B960494DF}">
-                <a14:hiddenLine xmlns:a14="http://schemas.microsoft.com/office/drawing/2010/main" xmlns="" w="9525">
+                <a14:hiddenLine xmlns="" xmlns:a14="http://schemas.microsoft.com/office/drawing/2010/main" w="9525">
                   <a:solidFill>
                     <a:srgbClr val="000000"/>
                   </a:solidFill>
@@ -2723,7 +2725,7 @@
             </a:ln>
             <a:extLst>
               <a:ext uri="{91240B29-F687-4f45-9708-019B960494DF}">
-                <a14:hiddenLine xmlns:a14="http://schemas.microsoft.com/office/drawing/2010/main" xmlns="" w="9525">
+                <a14:hiddenLine xmlns="" xmlns:a14="http://schemas.microsoft.com/office/drawing/2010/main" w="9525">
                   <a:solidFill>
                     <a:srgbClr val="000000"/>
                   </a:solidFill>
@@ -2785,7 +2787,7 @@
             </a:ln>
             <a:extLst>
               <a:ext uri="{91240B29-F687-4f45-9708-019B960494DF}">
-                <a14:hiddenLine xmlns:a14="http://schemas.microsoft.com/office/drawing/2010/main" xmlns="" w="9525">
+                <a14:hiddenLine xmlns="" xmlns:a14="http://schemas.microsoft.com/office/drawing/2010/main" w="9525">
                   <a:solidFill>
                     <a:srgbClr val="000000"/>
                   </a:solidFill>
@@ -2875,7 +2877,7 @@
             </a:ln>
             <a:extLst>
               <a:ext uri="{91240B29-F687-4f45-9708-019B960494DF}">
-                <a14:hiddenLine xmlns:a14="http://schemas.microsoft.com/office/drawing/2010/main" xmlns="" w="9525">
+                <a14:hiddenLine xmlns="" xmlns:a14="http://schemas.microsoft.com/office/drawing/2010/main" w="9525">
                   <a:solidFill>
                     <a:srgbClr val="000000"/>
                   </a:solidFill>
@@ -2937,7 +2939,7 @@
             </a:ln>
             <a:extLst>
               <a:ext uri="{91240B29-F687-4f45-9708-019B960494DF}">
-                <a14:hiddenLine xmlns:a14="http://schemas.microsoft.com/office/drawing/2010/main" xmlns="" w="9525">
+                <a14:hiddenLine xmlns="" xmlns:a14="http://schemas.microsoft.com/office/drawing/2010/main" w="9525">
                   <a:solidFill>
                     <a:srgbClr val="000000"/>
                   </a:solidFill>
@@ -3027,7 +3029,7 @@
             </a:ln>
             <a:extLst>
               <a:ext uri="{91240B29-F687-4f45-9708-019B960494DF}">
-                <a14:hiddenLine xmlns:a14="http://schemas.microsoft.com/office/drawing/2010/main" xmlns="" w="9525">
+                <a14:hiddenLine xmlns="" xmlns:a14="http://schemas.microsoft.com/office/drawing/2010/main" w="9525">
                   <a:solidFill>
                     <a:srgbClr val="000000"/>
                   </a:solidFill>
@@ -3089,7 +3091,7 @@
             </a:ln>
             <a:extLst>
               <a:ext uri="{91240B29-F687-4f45-9708-019B960494DF}">
-                <a14:hiddenLine xmlns:a14="http://schemas.microsoft.com/office/drawing/2010/main" xmlns="" w="9525">
+                <a14:hiddenLine xmlns="" xmlns:a14="http://schemas.microsoft.com/office/drawing/2010/main" w="9525">
                   <a:solidFill>
                     <a:srgbClr val="000000"/>
                   </a:solidFill>
@@ -3179,7 +3181,7 @@
             </a:ln>
             <a:extLst>
               <a:ext uri="{91240B29-F687-4f45-9708-019B960494DF}">
-                <a14:hiddenLine xmlns:a14="http://schemas.microsoft.com/office/drawing/2010/main" xmlns="" w="9525">
+                <a14:hiddenLine xmlns="" xmlns:a14="http://schemas.microsoft.com/office/drawing/2010/main" w="9525">
                   <a:solidFill>
                     <a:srgbClr val="000000"/>
                   </a:solidFill>
@@ -3213,7 +3215,7 @@
             </a:ln>
             <a:extLst>
               <a:ext uri="{91240B29-F687-4f45-9708-019B960494DF}">
-                <a14:hiddenLine xmlns:a14="http://schemas.microsoft.com/office/drawing/2010/main" xmlns="" w="9525">
+                <a14:hiddenLine xmlns="" xmlns:a14="http://schemas.microsoft.com/office/drawing/2010/main" w="9525">
                   <a:solidFill>
                     <a:srgbClr val="000000"/>
                   </a:solidFill>
@@ -3278,7 +3280,7 @@
             </a:ln>
             <a:extLst>
               <a:ext uri="{91240B29-F687-4f45-9708-019B960494DF}">
-                <a14:hiddenLine xmlns:a14="http://schemas.microsoft.com/office/drawing/2010/main" xmlns="" w="9525">
+                <a14:hiddenLine xmlns="" xmlns:a14="http://schemas.microsoft.com/office/drawing/2010/main" w="9525">
                   <a:solidFill>
                     <a:srgbClr val="000000"/>
                   </a:solidFill>
@@ -3368,7 +3370,7 @@
             </a:ln>
             <a:extLst>
               <a:ext uri="{91240B29-F687-4f45-9708-019B960494DF}">
-                <a14:hiddenLine xmlns:a14="http://schemas.microsoft.com/office/drawing/2010/main" xmlns="" w="9525">
+                <a14:hiddenLine xmlns="" xmlns:a14="http://schemas.microsoft.com/office/drawing/2010/main" w="9525">
                   <a:solidFill>
                     <a:srgbClr val="000000"/>
                   </a:solidFill>
@@ -3430,7 +3432,7 @@
             </a:ln>
             <a:extLst>
               <a:ext uri="{91240B29-F687-4f45-9708-019B960494DF}">
-                <a14:hiddenLine xmlns:a14="http://schemas.microsoft.com/office/drawing/2010/main" xmlns="" w="9525">
+                <a14:hiddenLine xmlns="" xmlns:a14="http://schemas.microsoft.com/office/drawing/2010/main" w="9525">
                   <a:solidFill>
                     <a:srgbClr val="000000"/>
                   </a:solidFill>
@@ -3520,7 +3522,7 @@
             </a:ln>
             <a:extLst>
               <a:ext uri="{91240B29-F687-4f45-9708-019B960494DF}">
-                <a14:hiddenLine xmlns:a14="http://schemas.microsoft.com/office/drawing/2010/main" xmlns="" w="9525">
+                <a14:hiddenLine xmlns="" xmlns:a14="http://schemas.microsoft.com/office/drawing/2010/main" w="9525">
                   <a:solidFill>
                     <a:srgbClr val="000000"/>
                   </a:solidFill>
@@ -3610,7 +3612,7 @@
             </a:ln>
             <a:extLst>
               <a:ext uri="{91240B29-F687-4f45-9708-019B960494DF}">
-                <a14:hiddenLine xmlns:a14="http://schemas.microsoft.com/office/drawing/2010/main" xmlns="" w="9525">
+                <a14:hiddenLine xmlns="" xmlns:a14="http://schemas.microsoft.com/office/drawing/2010/main" w="9525">
                   <a:solidFill>
                     <a:srgbClr val="000000"/>
                   </a:solidFill>
@@ -3675,7 +3677,7 @@
             </a:ln>
             <a:extLst>
               <a:ext uri="{91240B29-F687-4f45-9708-019B960494DF}">
-                <a14:hiddenLine xmlns:a14="http://schemas.microsoft.com/office/drawing/2010/main" xmlns="" w="9525">
+                <a14:hiddenLine xmlns="" xmlns:a14="http://schemas.microsoft.com/office/drawing/2010/main" w="9525">
                   <a:solidFill>
                     <a:srgbClr val="000000"/>
                   </a:solidFill>
@@ -3737,7 +3739,7 @@
             </a:ln>
             <a:extLst>
               <a:ext uri="{91240B29-F687-4f45-9708-019B960494DF}">
-                <a14:hiddenLine xmlns:a14="http://schemas.microsoft.com/office/drawing/2010/main" xmlns="" w="9525">
+                <a14:hiddenLine xmlns="" xmlns:a14="http://schemas.microsoft.com/office/drawing/2010/main" w="9525">
                   <a:solidFill>
                     <a:srgbClr val="000000"/>
                   </a:solidFill>
@@ -3827,7 +3829,7 @@
             </a:ln>
             <a:extLst>
               <a:ext uri="{91240B29-F687-4f45-9708-019B960494DF}">
-                <a14:hiddenLine xmlns:a14="http://schemas.microsoft.com/office/drawing/2010/main" xmlns="" w="9525">
+                <a14:hiddenLine xmlns="" xmlns:a14="http://schemas.microsoft.com/office/drawing/2010/main" w="9525">
                   <a:solidFill>
                     <a:srgbClr val="000000"/>
                   </a:solidFill>
@@ -3917,7 +3919,7 @@
             </a:ln>
             <a:extLst>
               <a:ext uri="{91240B29-F687-4f45-9708-019B960494DF}">
-                <a14:hiddenLine xmlns:a14="http://schemas.microsoft.com/office/drawing/2010/main" xmlns="" w="9525">
+                <a14:hiddenLine xmlns="" xmlns:a14="http://schemas.microsoft.com/office/drawing/2010/main" w="9525">
                   <a:solidFill>
                     <a:srgbClr val="000000"/>
                   </a:solidFill>
@@ -3979,7 +3981,7 @@
             </a:ln>
             <a:extLst>
               <a:ext uri="{91240B29-F687-4f45-9708-019B960494DF}">
-                <a14:hiddenLine xmlns:a14="http://schemas.microsoft.com/office/drawing/2010/main" xmlns="" w="9525">
+                <a14:hiddenLine xmlns="" xmlns:a14="http://schemas.microsoft.com/office/drawing/2010/main" w="9525">
                   <a:solidFill>
                     <a:srgbClr val="000000"/>
                   </a:solidFill>
@@ -4099,7 +4101,7 @@
             </a:ln>
             <a:extLst>
               <a:ext uri="{91240B29-F687-4f45-9708-019B960494DF}">
-                <a14:hiddenLine xmlns:a14="http://schemas.microsoft.com/office/drawing/2010/main" xmlns="" w="9525">
+                <a14:hiddenLine xmlns="" xmlns:a14="http://schemas.microsoft.com/office/drawing/2010/main" w="9525">
                   <a:solidFill>
                     <a:srgbClr val="000000"/>
                   </a:solidFill>
@@ -4167,7 +4169,7 @@
             </a:ln>
             <a:extLst>
               <a:ext uri="{91240B29-F687-4f45-9708-019B960494DF}">
-                <a14:hiddenLine xmlns:a14="http://schemas.microsoft.com/office/drawing/2010/main" xmlns="" w="9525">
+                <a14:hiddenLine xmlns="" xmlns:a14="http://schemas.microsoft.com/office/drawing/2010/main" w="9525">
                   <a:solidFill>
                     <a:srgbClr val="000000"/>
                   </a:solidFill>
@@ -4257,7 +4259,7 @@
             </a:ln>
             <a:extLst>
               <a:ext uri="{91240B29-F687-4f45-9708-019B960494DF}">
-                <a14:hiddenLine xmlns:a14="http://schemas.microsoft.com/office/drawing/2010/main" xmlns="" w="9525">
+                <a14:hiddenLine xmlns="" xmlns:a14="http://schemas.microsoft.com/office/drawing/2010/main" w="9525">
                   <a:solidFill>
                     <a:srgbClr val="000000"/>
                   </a:solidFill>
@@ -9098,7 +9100,7 @@
           <a:noFill/>
           <a:extLst>
             <a:ext uri="{909E8E84-426E-40dd-AFC4-6F175D3DCCD1}">
-              <a14:hiddenFill xmlns:a14="http://schemas.microsoft.com/office/drawing/2010/main" xmlns="">
+              <a14:hiddenFill xmlns="" xmlns:a14="http://schemas.microsoft.com/office/drawing/2010/main">
                 <a:solidFill>
                   <a:srgbClr val="FFFFFF"/>
                 </a:solidFill>
@@ -9172,7 +9174,7 @@
               </a:ln>
               <a:extLst>
                 <a:ext uri="{91240B29-F687-4f45-9708-019B960494DF}">
-                  <a14:hiddenLine xmlns:a14="http://schemas.microsoft.com/office/drawing/2010/main" xmlns="" w="9525">
+                  <a14:hiddenLine xmlns="" xmlns:a14="http://schemas.microsoft.com/office/drawing/2010/main" w="9525">
                     <a:solidFill>
                       <a:srgbClr val="000000"/>
                     </a:solidFill>
@@ -9262,7 +9264,7 @@
               </a:ln>
               <a:extLst>
                 <a:ext uri="{91240B29-F687-4f45-9708-019B960494DF}">
-                  <a14:hiddenLine xmlns:a14="http://schemas.microsoft.com/office/drawing/2010/main" xmlns="" w="9525">
+                  <a14:hiddenLine xmlns="" xmlns:a14="http://schemas.microsoft.com/office/drawing/2010/main" w="9525">
                     <a:solidFill>
                       <a:srgbClr val="000000"/>
                     </a:solidFill>
@@ -9352,7 +9354,7 @@
               </a:ln>
               <a:extLst>
                 <a:ext uri="{91240B29-F687-4f45-9708-019B960494DF}">
-                  <a14:hiddenLine xmlns:a14="http://schemas.microsoft.com/office/drawing/2010/main" xmlns="" w="9525">
+                  <a14:hiddenLine xmlns="" xmlns:a14="http://schemas.microsoft.com/office/drawing/2010/main" w="9525">
                     <a:solidFill>
                       <a:srgbClr val="000000"/>
                     </a:solidFill>
@@ -9414,7 +9416,7 @@
               </a:ln>
               <a:extLst>
                 <a:ext uri="{91240B29-F687-4f45-9708-019B960494DF}">
-                  <a14:hiddenLine xmlns:a14="http://schemas.microsoft.com/office/drawing/2010/main" xmlns="" w="9525">
+                  <a14:hiddenLine xmlns="" xmlns:a14="http://schemas.microsoft.com/office/drawing/2010/main" w="9525">
                     <a:solidFill>
                       <a:srgbClr val="000000"/>
                     </a:solidFill>
@@ -9504,7 +9506,7 @@
               </a:ln>
               <a:extLst>
                 <a:ext uri="{91240B29-F687-4f45-9708-019B960494DF}">
-                  <a14:hiddenLine xmlns:a14="http://schemas.microsoft.com/office/drawing/2010/main" xmlns="" w="9525">
+                  <a14:hiddenLine xmlns="" xmlns:a14="http://schemas.microsoft.com/office/drawing/2010/main" w="9525">
                     <a:solidFill>
                       <a:srgbClr val="000000"/>
                     </a:solidFill>
@@ -9566,7 +9568,7 @@
               </a:ln>
               <a:extLst>
                 <a:ext uri="{91240B29-F687-4f45-9708-019B960494DF}">
-                  <a14:hiddenLine xmlns:a14="http://schemas.microsoft.com/office/drawing/2010/main" xmlns="" w="9525">
+                  <a14:hiddenLine xmlns="" xmlns:a14="http://schemas.microsoft.com/office/drawing/2010/main" w="9525">
                     <a:solidFill>
                       <a:srgbClr val="000000"/>
                     </a:solidFill>
@@ -9628,7 +9630,7 @@
               </a:ln>
               <a:extLst>
                 <a:ext uri="{91240B29-F687-4f45-9708-019B960494DF}">
-                  <a14:hiddenLine xmlns:a14="http://schemas.microsoft.com/office/drawing/2010/main" xmlns="" w="9525">
+                  <a14:hiddenLine xmlns="" xmlns:a14="http://schemas.microsoft.com/office/drawing/2010/main" w="9525">
                     <a:solidFill>
                       <a:srgbClr val="000000"/>
                     </a:solidFill>
@@ -9718,7 +9720,7 @@
               </a:ln>
               <a:extLst>
                 <a:ext uri="{91240B29-F687-4f45-9708-019B960494DF}">
-                  <a14:hiddenLine xmlns:a14="http://schemas.microsoft.com/office/drawing/2010/main" xmlns="" w="9525">
+                  <a14:hiddenLine xmlns="" xmlns:a14="http://schemas.microsoft.com/office/drawing/2010/main" w="9525">
                     <a:solidFill>
                       <a:srgbClr val="000000"/>
                     </a:solidFill>
@@ -9808,7 +9810,7 @@
               </a:ln>
               <a:extLst>
                 <a:ext uri="{91240B29-F687-4f45-9708-019B960494DF}">
-                  <a14:hiddenLine xmlns:a14="http://schemas.microsoft.com/office/drawing/2010/main" xmlns="" w="9525">
+                  <a14:hiddenLine xmlns="" xmlns:a14="http://schemas.microsoft.com/office/drawing/2010/main" w="9525">
                     <a:solidFill>
                       <a:srgbClr val="000000"/>
                     </a:solidFill>
@@ -9870,7 +9872,7 @@
               </a:ln>
               <a:extLst>
                 <a:ext uri="{91240B29-F687-4f45-9708-019B960494DF}">
-                  <a14:hiddenLine xmlns:a14="http://schemas.microsoft.com/office/drawing/2010/main" xmlns="" w="9525">
+                  <a14:hiddenLine xmlns="" xmlns:a14="http://schemas.microsoft.com/office/drawing/2010/main" w="9525">
                     <a:solidFill>
                       <a:srgbClr val="000000"/>
                     </a:solidFill>
@@ -9980,7 +9982,7 @@
               </a:ln>
               <a:extLst>
                 <a:ext uri="{91240B29-F687-4f45-9708-019B960494DF}">
-                  <a14:hiddenLine xmlns:a14="http://schemas.microsoft.com/office/drawing/2010/main" xmlns="" w="9525">
+                  <a14:hiddenLine xmlns="" xmlns:a14="http://schemas.microsoft.com/office/drawing/2010/main" w="9525">
                     <a:solidFill>
                       <a:srgbClr val="000000"/>
                     </a:solidFill>
@@ -10064,7 +10066,7 @@
               </a:ln>
               <a:extLst>
                 <a:ext uri="{91240B29-F687-4f45-9708-019B960494DF}">
-                  <a14:hiddenLine xmlns:a14="http://schemas.microsoft.com/office/drawing/2010/main" xmlns="" w="9525">
+                  <a14:hiddenLine xmlns="" xmlns:a14="http://schemas.microsoft.com/office/drawing/2010/main" w="9525">
                     <a:solidFill>
                       <a:srgbClr val="000000"/>
                     </a:solidFill>
@@ -10126,7 +10128,7 @@
               </a:ln>
               <a:extLst>
                 <a:ext uri="{91240B29-F687-4f45-9708-019B960494DF}">
-                  <a14:hiddenLine xmlns:a14="http://schemas.microsoft.com/office/drawing/2010/main" xmlns="" w="9525">
+                  <a14:hiddenLine xmlns="" xmlns:a14="http://schemas.microsoft.com/office/drawing/2010/main" w="9525">
                     <a:solidFill>
                       <a:srgbClr val="000000"/>
                     </a:solidFill>
@@ -10188,7 +10190,7 @@
               </a:ln>
               <a:extLst>
                 <a:ext uri="{91240B29-F687-4f45-9708-019B960494DF}">
-                  <a14:hiddenLine xmlns:a14="http://schemas.microsoft.com/office/drawing/2010/main" xmlns="" w="9525">
+                  <a14:hiddenLine xmlns="" xmlns:a14="http://schemas.microsoft.com/office/drawing/2010/main" w="9525">
                     <a:solidFill>
                       <a:srgbClr val="000000"/>
                     </a:solidFill>
@@ -10278,7 +10280,7 @@
               </a:ln>
               <a:extLst>
                 <a:ext uri="{91240B29-F687-4f45-9708-019B960494DF}">
-                  <a14:hiddenLine xmlns:a14="http://schemas.microsoft.com/office/drawing/2010/main" xmlns="" w="9525">
+                  <a14:hiddenLine xmlns="" xmlns:a14="http://schemas.microsoft.com/office/drawing/2010/main" w="9525">
                     <a:solidFill>
                       <a:srgbClr val="000000"/>
                     </a:solidFill>
@@ -10312,7 +10314,7 @@
               </a:ln>
               <a:extLst>
                 <a:ext uri="{91240B29-F687-4f45-9708-019B960494DF}">
-                  <a14:hiddenLine xmlns:a14="http://schemas.microsoft.com/office/drawing/2010/main" xmlns="" w="9525">
+                  <a14:hiddenLine xmlns="" xmlns:a14="http://schemas.microsoft.com/office/drawing/2010/main" w="9525">
                     <a:solidFill>
                       <a:srgbClr val="000000"/>
                     </a:solidFill>
@@ -10377,7 +10379,7 @@
               </a:ln>
               <a:extLst>
                 <a:ext uri="{91240B29-F687-4f45-9708-019B960494DF}">
-                  <a14:hiddenLine xmlns:a14="http://schemas.microsoft.com/office/drawing/2010/main" xmlns="" w="9525">
+                  <a14:hiddenLine xmlns="" xmlns:a14="http://schemas.microsoft.com/office/drawing/2010/main" w="9525">
                     <a:solidFill>
                       <a:srgbClr val="000000"/>
                     </a:solidFill>
@@ -10467,7 +10469,7 @@
               </a:ln>
               <a:extLst>
                 <a:ext uri="{91240B29-F687-4f45-9708-019B960494DF}">
-                  <a14:hiddenLine xmlns:a14="http://schemas.microsoft.com/office/drawing/2010/main" xmlns="" w="9525">
+                  <a14:hiddenLine xmlns="" xmlns:a14="http://schemas.microsoft.com/office/drawing/2010/main" w="9525">
                     <a:solidFill>
                       <a:srgbClr val="000000"/>
                     </a:solidFill>
@@ -10529,7 +10531,7 @@
               </a:ln>
               <a:extLst>
                 <a:ext uri="{91240B29-F687-4f45-9708-019B960494DF}">
-                  <a14:hiddenLine xmlns:a14="http://schemas.microsoft.com/office/drawing/2010/main" xmlns="" w="9525">
+                  <a14:hiddenLine xmlns="" xmlns:a14="http://schemas.microsoft.com/office/drawing/2010/main" w="9525">
                     <a:solidFill>
                       <a:srgbClr val="000000"/>
                     </a:solidFill>
@@ -10619,7 +10621,7 @@
               </a:ln>
               <a:extLst>
                 <a:ext uri="{91240B29-F687-4f45-9708-019B960494DF}">
-                  <a14:hiddenLine xmlns:a14="http://schemas.microsoft.com/office/drawing/2010/main" xmlns="" w="9525">
+                  <a14:hiddenLine xmlns="" xmlns:a14="http://schemas.microsoft.com/office/drawing/2010/main" w="9525">
                     <a:solidFill>
                       <a:srgbClr val="000000"/>
                     </a:solidFill>
@@ -10684,7 +10686,7 @@
               </a:ln>
               <a:extLst>
                 <a:ext uri="{91240B29-F687-4f45-9708-019B960494DF}">
-                  <a14:hiddenLine xmlns:a14="http://schemas.microsoft.com/office/drawing/2010/main" xmlns="" w="9525">
+                  <a14:hiddenLine xmlns="" xmlns:a14="http://schemas.microsoft.com/office/drawing/2010/main" w="9525">
                     <a:solidFill>
                       <a:srgbClr val="000000"/>
                     </a:solidFill>
@@ -10746,7 +10748,7 @@
               </a:ln>
               <a:extLst>
                 <a:ext uri="{91240B29-F687-4f45-9708-019B960494DF}">
-                  <a14:hiddenLine xmlns:a14="http://schemas.microsoft.com/office/drawing/2010/main" xmlns="" w="9525">
+                  <a14:hiddenLine xmlns="" xmlns:a14="http://schemas.microsoft.com/office/drawing/2010/main" w="9525">
                     <a:solidFill>
                       <a:srgbClr val="000000"/>
                     </a:solidFill>
@@ -10836,7 +10838,7 @@
               </a:ln>
               <a:extLst>
                 <a:ext uri="{91240B29-F687-4f45-9708-019B960494DF}">
-                  <a14:hiddenLine xmlns:a14="http://schemas.microsoft.com/office/drawing/2010/main" xmlns="" w="9525">
+                  <a14:hiddenLine xmlns="" xmlns:a14="http://schemas.microsoft.com/office/drawing/2010/main" w="9525">
                     <a:solidFill>
                       <a:srgbClr val="000000"/>
                     </a:solidFill>
@@ -10926,7 +10928,7 @@
               </a:ln>
               <a:extLst>
                 <a:ext uri="{91240B29-F687-4f45-9708-019B960494DF}">
-                  <a14:hiddenLine xmlns:a14="http://schemas.microsoft.com/office/drawing/2010/main" xmlns="" w="9525">
+                  <a14:hiddenLine xmlns="" xmlns:a14="http://schemas.microsoft.com/office/drawing/2010/main" w="9525">
                     <a:solidFill>
                       <a:srgbClr val="000000"/>
                     </a:solidFill>
@@ -10991,7 +10993,7 @@
               </a:ln>
               <a:extLst>
                 <a:ext uri="{91240B29-F687-4f45-9708-019B960494DF}">
-                  <a14:hiddenLine xmlns:a14="http://schemas.microsoft.com/office/drawing/2010/main" xmlns="" w="9525">
+                  <a14:hiddenLine xmlns="" xmlns:a14="http://schemas.microsoft.com/office/drawing/2010/main" w="9525">
                     <a:solidFill>
                       <a:srgbClr val="000000"/>
                     </a:solidFill>
@@ -11111,7 +11113,7 @@
               </a:ln>
               <a:extLst>
                 <a:ext uri="{91240B29-F687-4f45-9708-019B960494DF}">
-                  <a14:hiddenLine xmlns:a14="http://schemas.microsoft.com/office/drawing/2010/main" xmlns="" w="9525">
+                  <a14:hiddenLine xmlns="" xmlns:a14="http://schemas.microsoft.com/office/drawing/2010/main" w="9525">
                     <a:solidFill>
                       <a:srgbClr val="000000"/>
                     </a:solidFill>
@@ -11209,7 +11211,7 @@
               </a:ln>
               <a:extLst>
                 <a:ext uri="{91240B29-F687-4f45-9708-019B960494DF}">
-                  <a14:hiddenLine xmlns:a14="http://schemas.microsoft.com/office/drawing/2010/main" xmlns="" w="9525">
+                  <a14:hiddenLine xmlns="" xmlns:a14="http://schemas.microsoft.com/office/drawing/2010/main" w="9525">
                     <a:solidFill>
                       <a:srgbClr val="000000"/>
                     </a:solidFill>
@@ -11324,7 +11326,7 @@
               </a:ln>
               <a:extLst>
                 <a:ext uri="{91240B29-F687-4f45-9708-019B960494DF}">
-                  <a14:hiddenLine xmlns:a14="http://schemas.microsoft.com/office/drawing/2010/main" xmlns="" w="9525">
+                  <a14:hiddenLine xmlns="" xmlns:a14="http://schemas.microsoft.com/office/drawing/2010/main" w="9525">
                     <a:solidFill>
                       <a:srgbClr val="000000"/>
                     </a:solidFill>
@@ -11414,7 +11416,7 @@
               </a:ln>
               <a:extLst>
                 <a:ext uri="{91240B29-F687-4f45-9708-019B960494DF}">
-                  <a14:hiddenLine xmlns:a14="http://schemas.microsoft.com/office/drawing/2010/main" xmlns="" w="9525">
+                  <a14:hiddenLine xmlns="" xmlns:a14="http://schemas.microsoft.com/office/drawing/2010/main" w="9525">
                     <a:solidFill>
                       <a:srgbClr val="000000"/>
                     </a:solidFill>
@@ -11479,7 +11481,7 @@
               </a:ln>
               <a:extLst>
                 <a:ext uri="{91240B29-F687-4f45-9708-019B960494DF}">
-                  <a14:hiddenLine xmlns:a14="http://schemas.microsoft.com/office/drawing/2010/main" xmlns="" w="9525">
+                  <a14:hiddenLine xmlns="" xmlns:a14="http://schemas.microsoft.com/office/drawing/2010/main" w="9525">
                     <a:solidFill>
                       <a:srgbClr val="000000"/>
                     </a:solidFill>
@@ -11569,7 +11571,7 @@
               </a:ln>
               <a:extLst>
                 <a:ext uri="{91240B29-F687-4f45-9708-019B960494DF}">
-                  <a14:hiddenLine xmlns:a14="http://schemas.microsoft.com/office/drawing/2010/main" xmlns="" w="9525">
+                  <a14:hiddenLine xmlns="" xmlns:a14="http://schemas.microsoft.com/office/drawing/2010/main" w="9525">
                     <a:solidFill>
                       <a:srgbClr val="000000"/>
                     </a:solidFill>
@@ -11637,7 +11639,7 @@
               </a:ln>
               <a:extLst>
                 <a:ext uri="{91240B29-F687-4f45-9708-019B960494DF}">
-                  <a14:hiddenLine xmlns:a14="http://schemas.microsoft.com/office/drawing/2010/main" xmlns="" w="9525">
+                  <a14:hiddenLine xmlns="" xmlns:a14="http://schemas.microsoft.com/office/drawing/2010/main" w="9525">
                     <a:solidFill>
                       <a:srgbClr val="000000"/>
                     </a:solidFill>
@@ -11727,7 +11729,7 @@
               </a:ln>
               <a:extLst>
                 <a:ext uri="{91240B29-F687-4f45-9708-019B960494DF}">
-                  <a14:hiddenLine xmlns:a14="http://schemas.microsoft.com/office/drawing/2010/main" xmlns="" w="9525">
+                  <a14:hiddenLine xmlns="" xmlns:a14="http://schemas.microsoft.com/office/drawing/2010/main" w="9525">
                     <a:solidFill>
                       <a:srgbClr val="000000"/>
                     </a:solidFill>
@@ -11795,7 +11797,7 @@
               </a:ln>
               <a:extLst>
                 <a:ext uri="{91240B29-F687-4f45-9708-019B960494DF}">
-                  <a14:hiddenLine xmlns:a14="http://schemas.microsoft.com/office/drawing/2010/main" xmlns="" w="9525">
+                  <a14:hiddenLine xmlns="" xmlns:a14="http://schemas.microsoft.com/office/drawing/2010/main" w="9525">
                     <a:solidFill>
                       <a:srgbClr val="000000"/>
                     </a:solidFill>
@@ -11885,7 +11887,7 @@
               </a:ln>
               <a:extLst>
                 <a:ext uri="{91240B29-F687-4f45-9708-019B960494DF}">
-                  <a14:hiddenLine xmlns:a14="http://schemas.microsoft.com/office/drawing/2010/main" xmlns="" w="9525">
+                  <a14:hiddenLine xmlns="" xmlns:a14="http://schemas.microsoft.com/office/drawing/2010/main" w="9525">
                     <a:solidFill>
                       <a:srgbClr val="000000"/>
                     </a:solidFill>
@@ -11919,7 +11921,7 @@
               </a:ln>
               <a:extLst>
                 <a:ext uri="{91240B29-F687-4f45-9708-019B960494DF}">
-                  <a14:hiddenLine xmlns:a14="http://schemas.microsoft.com/office/drawing/2010/main" xmlns="" w="9525">
+                  <a14:hiddenLine xmlns="" xmlns:a14="http://schemas.microsoft.com/office/drawing/2010/main" w="9525">
                     <a:solidFill>
                       <a:srgbClr val="000000"/>
                     </a:solidFill>
@@ -12639,6 +12641,260 @@
 </p:sld>
 </file>
 
+<file path=ppt/slides/slide11.xml><?xml version="1.0" encoding="utf-8"?>
+<p:sld xmlns:a="http://schemas.openxmlformats.org/drawingml/2006/main" xmlns:r="http://schemas.openxmlformats.org/officeDocument/2006/relationships" xmlns:p="http://schemas.openxmlformats.org/presentationml/2006/main">
+  <p:cSld>
+    <p:spTree>
+      <p:nvGrpSpPr>
+        <p:cNvPr id="1" name=""/>
+        <p:cNvGrpSpPr/>
+        <p:nvPr/>
+      </p:nvGrpSpPr>
+      <p:grpSpPr>
+        <a:xfrm>
+          <a:off x="0" y="0"/>
+          <a:ext cx="0" cy="0"/>
+          <a:chOff x="0" y="0"/>
+          <a:chExt cx="0" cy="0"/>
+        </a:xfrm>
+      </p:grpSpPr>
+      <p:sp>
+        <p:nvSpPr>
+          <p:cNvPr id="2" name="Title 1">
+            <a:extLst>
+              <a:ext uri="{FF2B5EF4-FFF2-40B4-BE49-F238E27FC236}">
+                <a16:creationId xmlns:a16="http://schemas.microsoft.com/office/drawing/2014/main" id="{BD22CE7D-1D68-42B0-86EF-554288C5589E}"/>
+              </a:ext>
+            </a:extLst>
+          </p:cNvPr>
+          <p:cNvSpPr>
+            <a:spLocks noGrp="1"/>
+          </p:cNvSpPr>
+          <p:nvPr>
+            <p:ph type="title"/>
+          </p:nvPr>
+        </p:nvSpPr>
+        <p:spPr/>
+        <p:txBody>
+          <a:bodyPr/>
+          <a:lstStyle/>
+          <a:p>
+            <a:r>
+              <a:rPr lang="en-US" dirty="0"/>
+              <a:t>Revised Approach</a:t>
+            </a:r>
+          </a:p>
+        </p:txBody>
+      </p:sp>
+      <p:pic>
+        <p:nvPicPr>
+          <p:cNvPr id="5" name="Content Placeholder 4">
+            <a:extLst>
+              <a:ext uri="{FF2B5EF4-FFF2-40B4-BE49-F238E27FC236}">
+                <a16:creationId xmlns:a16="http://schemas.microsoft.com/office/drawing/2014/main" id="{FBB1691B-9074-4DCC-AB17-B41EB39A3254}"/>
+              </a:ext>
+            </a:extLst>
+          </p:cNvPr>
+          <p:cNvPicPr>
+            <a:picLocks noGrp="1" noChangeAspect="1"/>
+          </p:cNvPicPr>
+          <p:nvPr>
+            <p:ph sz="half" idx="1"/>
+          </p:nvPr>
+        </p:nvPicPr>
+        <p:blipFill>
+          <a:blip r:embed="rId2">
+            <a:extLst>
+              <a:ext uri="{96DAC541-7B7A-43D3-8B79-37D633B846F1}">
+                <asvg:svgBlip xmlns:asvg="http://schemas.microsoft.com/office/drawing/2016/SVG/main" r:embed="rId3"/>
+              </a:ext>
+            </a:extLst>
+          </a:blip>
+          <a:stretch>
+            <a:fillRect/>
+          </a:stretch>
+        </p:blipFill>
+        <p:spPr>
+          <a:xfrm>
+            <a:off x="1141413" y="2260982"/>
+            <a:ext cx="4878387" cy="3518724"/>
+          </a:xfrm>
+        </p:spPr>
+      </p:pic>
+      <p:sp>
+        <p:nvSpPr>
+          <p:cNvPr id="7" name="Content Placeholder 6">
+            <a:extLst>
+              <a:ext uri="{FF2B5EF4-FFF2-40B4-BE49-F238E27FC236}">
+                <a16:creationId xmlns:a16="http://schemas.microsoft.com/office/drawing/2014/main" id="{3A5FA6FF-144C-496F-8B48-FAFDF677C732}"/>
+              </a:ext>
+            </a:extLst>
+          </p:cNvPr>
+          <p:cNvSpPr>
+            <a:spLocks noGrp="1"/>
+          </p:cNvSpPr>
+          <p:nvPr>
+            <p:ph sz="half" idx="2"/>
+          </p:nvPr>
+        </p:nvSpPr>
+        <p:spPr/>
+        <p:txBody>
+          <a:bodyPr/>
+          <a:lstStyle/>
+          <a:p>
+            <a:r>
+              <a:rPr lang="en-US" dirty="0"/>
+              <a:t>Gers and </a:t>
+            </a:r>
+            <a:r>
+              <a:rPr lang="en-US" dirty="0" err="1"/>
+              <a:t>Schmidhuber</a:t>
+            </a:r>
+            <a:r>
+              <a:rPr lang="en-US" dirty="0"/>
+              <a:t> focused on CFL and CSL and found that they were able to have the Neural Net learn the language.</a:t>
+            </a:r>
+          </a:p>
+          <a:p>
+            <a:r>
+              <a:rPr lang="en-US" dirty="0"/>
+              <a:t>This suggests that there should be no issue with their approach learning a Regular Language</a:t>
+            </a:r>
+          </a:p>
+        </p:txBody>
+      </p:sp>
+      <p:sp>
+        <p:nvSpPr>
+          <p:cNvPr id="6" name="Rectangle 5">
+            <a:extLst>
+              <a:ext uri="{FF2B5EF4-FFF2-40B4-BE49-F238E27FC236}">
+                <a16:creationId xmlns:a16="http://schemas.microsoft.com/office/drawing/2014/main" id="{045E9853-E829-4C32-A98B-50EAE1AA7BD3}"/>
+              </a:ext>
+            </a:extLst>
+          </p:cNvPr>
+          <p:cNvSpPr/>
+          <p:nvPr/>
+        </p:nvSpPr>
+        <p:spPr>
+          <a:xfrm>
+            <a:off x="1141413" y="5779706"/>
+            <a:ext cx="6096000" cy="646331"/>
+          </a:xfrm>
+          <a:prstGeom prst="rect">
+            <a:avLst/>
+          </a:prstGeom>
+        </p:spPr>
+        <p:txBody>
+          <a:bodyPr>
+            <a:spAutoFit/>
+          </a:bodyPr>
+          <a:lstStyle/>
+          <a:p>
+            <a:r>
+              <a:rPr lang="en-US" dirty="0"/>
+              <a:t>By J. Finkelstein - Own work, CC BY-SA 3.0, https://commons.wikimedia.org/w/index.php?curid=9405226</a:t>
+            </a:r>
+          </a:p>
+        </p:txBody>
+      </p:sp>
+    </p:spTree>
+    <p:extLst>
+      <p:ext uri="{BB962C8B-B14F-4D97-AF65-F5344CB8AC3E}">
+        <p14:creationId xmlns:p14="http://schemas.microsoft.com/office/powerpoint/2010/main" val="811131227"/>
+      </p:ext>
+    </p:extLst>
+  </p:cSld>
+  <p:clrMapOvr>
+    <a:masterClrMapping/>
+  </p:clrMapOvr>
+</p:sld>
+</file>
+
+<file path=ppt/slides/slide12.xml><?xml version="1.0" encoding="utf-8"?>
+<p:sld xmlns:a="http://schemas.openxmlformats.org/drawingml/2006/main" xmlns:r="http://schemas.openxmlformats.org/officeDocument/2006/relationships" xmlns:p="http://schemas.openxmlformats.org/presentationml/2006/main">
+  <p:cSld>
+    <p:spTree>
+      <p:nvGrpSpPr>
+        <p:cNvPr id="1" name=""/>
+        <p:cNvGrpSpPr/>
+        <p:nvPr/>
+      </p:nvGrpSpPr>
+      <p:grpSpPr>
+        <a:xfrm>
+          <a:off x="0" y="0"/>
+          <a:ext cx="0" cy="0"/>
+          <a:chOff x="0" y="0"/>
+          <a:chExt cx="0" cy="0"/>
+        </a:xfrm>
+      </p:grpSpPr>
+      <p:sp>
+        <p:nvSpPr>
+          <p:cNvPr id="2" name="Title 1">
+            <a:extLst>
+              <a:ext uri="{FF2B5EF4-FFF2-40B4-BE49-F238E27FC236}">
+                <a16:creationId xmlns:a16="http://schemas.microsoft.com/office/drawing/2014/main" id="{BD22CE7D-1D68-42B0-86EF-554288C5589E}"/>
+              </a:ext>
+            </a:extLst>
+          </p:cNvPr>
+          <p:cNvSpPr>
+            <a:spLocks noGrp="1"/>
+          </p:cNvSpPr>
+          <p:nvPr>
+            <p:ph type="title"/>
+          </p:nvPr>
+        </p:nvSpPr>
+        <p:spPr/>
+        <p:txBody>
+          <a:bodyPr/>
+          <a:lstStyle/>
+          <a:p>
+            <a:r>
+              <a:rPr lang="en-US" dirty="0"/>
+              <a:t>Questions?</a:t>
+            </a:r>
+          </a:p>
+        </p:txBody>
+      </p:sp>
+      <p:sp>
+        <p:nvSpPr>
+          <p:cNvPr id="3" name="Content Placeholder 2">
+            <a:extLst>
+              <a:ext uri="{FF2B5EF4-FFF2-40B4-BE49-F238E27FC236}">
+                <a16:creationId xmlns:a16="http://schemas.microsoft.com/office/drawing/2014/main" id="{33F6FB8D-6342-493D-B980-A1DF4233D89C}"/>
+              </a:ext>
+            </a:extLst>
+          </p:cNvPr>
+          <p:cNvSpPr>
+            <a:spLocks noGrp="1"/>
+          </p:cNvSpPr>
+          <p:nvPr>
+            <p:ph idx="1"/>
+          </p:nvPr>
+        </p:nvSpPr>
+        <p:spPr/>
+        <p:txBody>
+          <a:bodyPr>
+            <a:normAutofit/>
+          </a:bodyPr>
+          <a:lstStyle/>
+          <a:p>
+            <a:endParaRPr lang="en-US" dirty="0"/>
+          </a:p>
+        </p:txBody>
+      </p:sp>
+    </p:spTree>
+    <p:extLst>
+      <p:ext uri="{BB962C8B-B14F-4D97-AF65-F5344CB8AC3E}">
+        <p14:creationId xmlns:p14="http://schemas.microsoft.com/office/powerpoint/2010/main" val="2287810927"/>
+      </p:ext>
+    </p:extLst>
+  </p:cSld>
+  <p:clrMapOvr>
+    <a:masterClrMapping/>
+  </p:clrMapOvr>
+</p:sld>
+</file>
+
 <file path=ppt/slides/slide2.xml><?xml version="1.0" encoding="utf-8"?>
 <p:sld xmlns:a="http://schemas.openxmlformats.org/drawingml/2006/main" xmlns:r="http://schemas.openxmlformats.org/officeDocument/2006/relationships" xmlns:p="http://schemas.openxmlformats.org/presentationml/2006/main">
   <p:cSld>
@@ -13514,7 +13770,7 @@
         <p:spPr/>
         <p:txBody>
           <a:bodyPr>
-            <a:normAutofit/>
+            <a:normAutofit fontScale="92500" lnSpcReduction="20000"/>
           </a:bodyPr>
           <a:lstStyle/>
           <a:p>
@@ -13550,6 +13806,18 @@
             <a:r>
               <a:rPr lang="en-US" dirty="0"/>
               <a:t> employ “Peephole Connections” and “Forget Gates” to allow for feedback between the Neural Network cells.</a:t>
+            </a:r>
+          </a:p>
+          <a:p>
+            <a:r>
+              <a:rPr lang="en-US" dirty="0"/>
+              <a:t>Peepholes and Forget Gates are mixed into Constant Error Carousels (CECs)</a:t>
+            </a:r>
+          </a:p>
+          <a:p>
+            <a:r>
+              <a:rPr lang="en-US" dirty="0"/>
+              <a:t>The CEC in a cell allows the cell to accept and correlate correction from other cells within the neural network.</a:t>
             </a:r>
           </a:p>
         </p:txBody>
